--- a/assets/v-if.pptx
+++ b/assets/v-if.pptx
@@ -4184,13 +4184,41 @@
           <a:p>
             <a:r>
               <a:rPr lang="zh-CN" altLang="en-US">
-                <a:hlinkClick r:id="rId1" action="ppaction://hlinkfile"/>
+                <a:hlinkClick r:id="rId1" tooltip="" action="ppaction://hlinkfile"/>
               </a:rPr>
-              <a:t>示例代码+课件</a:t>
-            </a:r>
-            <a:endParaRPr lang="zh-CN" altLang="en-US">
-              <a:hlinkClick r:id="rId1" action="ppaction://hlinkfile"/>
-            </a:endParaRPr>
+              <a:t>示例代码</a:t>
+            </a:r>
+            <a:r>
+              <a:rPr lang="en-US" altLang="zh-CN">
+                <a:hlinkClick r:id="rId1" tooltip="" action="ppaction://hlinkfile"/>
+              </a:rPr>
+              <a:t>1</a:t>
+            </a:r>
+            <a:endParaRPr lang="en-US" altLang="zh-CN"/>
+          </a:p>
+          <a:p>
+            <a:r>
+              <a:rPr lang="zh-CN" altLang="en-US">
+                <a:hlinkClick r:id="rId2" tooltip="" action="ppaction://hlinkfile"/>
+              </a:rPr>
+              <a:t>示例代码</a:t>
+            </a:r>
+            <a:r>
+              <a:rPr lang="en-US" altLang="zh-CN">
+                <a:hlinkClick r:id="rId2" tooltip="" action="ppaction://hlinkfile"/>
+              </a:rPr>
+              <a:t>2</a:t>
+            </a:r>
+            <a:endParaRPr lang="zh-CN" altLang="en-US"/>
+          </a:p>
+          <a:p>
+            <a:r>
+              <a:rPr lang="zh-CN" altLang="en-US">
+                <a:hlinkClick r:id="rId3" tooltip="" action="ppaction://hlinkfile"/>
+              </a:rPr>
+              <a:t>课件</a:t>
+            </a:r>
+            <a:endParaRPr lang="zh-CN" altLang="en-US"/>
           </a:p>
           <a:p>
             <a:r>
@@ -4207,25 +4235,25 @@
             <a:pPr lvl="1"/>
             <a:r>
               <a:rPr lang="en-US" altLang="zh-CN">
-                <a:hlinkClick r:id="rId2" action="ppaction://hlinkfile"/>
+                <a:hlinkClick r:id="rId4" action="ppaction://hlinkfile"/>
               </a:rPr>
               <a:t>vue3</a:t>
             </a:r>
             <a:r>
               <a:rPr lang="zh-CN" altLang="en-US">
-                <a:hlinkClick r:id="rId2" action="ppaction://hlinkfile"/>
+                <a:hlinkClick r:id="rId4" action="ppaction://hlinkfile"/>
               </a:rPr>
               <a:t>官网</a:t>
             </a:r>
             <a:endParaRPr lang="zh-CN" altLang="en-US">
-              <a:hlinkClick r:id="rId2" action="ppaction://hlinkfile"/>
+              <a:hlinkClick r:id="rId4" action="ppaction://hlinkfile"/>
             </a:endParaRPr>
           </a:p>
           <a:p>
             <a:pPr lvl="1"/>
             <a:r>
               <a:rPr lang="zh-CN" altLang="en-US">
-                <a:hlinkClick r:id="rId3" action="ppaction://hlinkfile"/>
+                <a:hlinkClick r:id="rId5" action="ppaction://hlinkfile"/>
               </a:rPr>
               <a:t>Vue 3 中 v-if 和 v-show 指令实现的原理（源码分析）</a:t>
             </a:r>
